--- a/_shared/01 Angular Bootcamp_intro_angular_part_1.pptx
+++ b/_shared/01 Angular Bootcamp_intro_angular_part_1.pptx
@@ -1348,7 +1348,7 @@
           <a:p>
             <a:fld id="{03DB1B09-CF92-4458-A13A-13254653259C}" type="datetimeFigureOut">
               <a:rPr lang="en-US" smtClean="0"/>
-              <a:t>10/17/2020</a:t>
+              <a:t>10/18/2020</a:t>
             </a:fld>
             <a:endParaRPr lang="en-US"/>
           </a:p>
@@ -4201,7 +4201,7 @@
           <a:p>
             <a:fld id="{F091E417-E1D4-4C2B-B87F-16C3588C2ACF}" type="datetimeFigureOut">
               <a:rPr lang="en-US" smtClean="0"/>
-              <a:t>10/17/2020</a:t>
+              <a:t>10/18/2020</a:t>
             </a:fld>
             <a:endParaRPr lang="en-US"/>
           </a:p>
@@ -4399,7 +4399,7 @@
           <a:p>
             <a:fld id="{F091E417-E1D4-4C2B-B87F-16C3588C2ACF}" type="datetimeFigureOut">
               <a:rPr lang="en-US" smtClean="0"/>
-              <a:t>10/17/2020</a:t>
+              <a:t>10/18/2020</a:t>
             </a:fld>
             <a:endParaRPr lang="en-US"/>
           </a:p>
@@ -4607,7 +4607,7 @@
           <a:p>
             <a:fld id="{F091E417-E1D4-4C2B-B87F-16C3588C2ACF}" type="datetimeFigureOut">
               <a:rPr lang="en-US" smtClean="0"/>
-              <a:t>10/17/2020</a:t>
+              <a:t>10/18/2020</a:t>
             </a:fld>
             <a:endParaRPr lang="en-US"/>
           </a:p>
@@ -4805,7 +4805,7 @@
           <a:p>
             <a:fld id="{F091E417-E1D4-4C2B-B87F-16C3588C2ACF}" type="datetimeFigureOut">
               <a:rPr lang="en-US" smtClean="0"/>
-              <a:t>10/17/2020</a:t>
+              <a:t>10/18/2020</a:t>
             </a:fld>
             <a:endParaRPr lang="en-US"/>
           </a:p>
@@ -5080,7 +5080,7 @@
           <a:p>
             <a:fld id="{F091E417-E1D4-4C2B-B87F-16C3588C2ACF}" type="datetimeFigureOut">
               <a:rPr lang="en-US" smtClean="0"/>
-              <a:t>10/17/2020</a:t>
+              <a:t>10/18/2020</a:t>
             </a:fld>
             <a:endParaRPr lang="en-US"/>
           </a:p>
@@ -5345,7 +5345,7 @@
           <a:p>
             <a:fld id="{F091E417-E1D4-4C2B-B87F-16C3588C2ACF}" type="datetimeFigureOut">
               <a:rPr lang="en-US" smtClean="0"/>
-              <a:t>10/17/2020</a:t>
+              <a:t>10/18/2020</a:t>
             </a:fld>
             <a:endParaRPr lang="en-US"/>
           </a:p>
@@ -5757,7 +5757,7 @@
           <a:p>
             <a:fld id="{F091E417-E1D4-4C2B-B87F-16C3588C2ACF}" type="datetimeFigureOut">
               <a:rPr lang="en-US" smtClean="0"/>
-              <a:t>10/17/2020</a:t>
+              <a:t>10/18/2020</a:t>
             </a:fld>
             <a:endParaRPr lang="en-US"/>
           </a:p>
@@ -5898,7 +5898,7 @@
           <a:p>
             <a:fld id="{F091E417-E1D4-4C2B-B87F-16C3588C2ACF}" type="datetimeFigureOut">
               <a:rPr lang="en-US" smtClean="0"/>
-              <a:t>10/17/2020</a:t>
+              <a:t>10/18/2020</a:t>
             </a:fld>
             <a:endParaRPr lang="en-US"/>
           </a:p>
@@ -6011,7 +6011,7 @@
           <a:p>
             <a:fld id="{F091E417-E1D4-4C2B-B87F-16C3588C2ACF}" type="datetimeFigureOut">
               <a:rPr lang="en-US" smtClean="0"/>
-              <a:t>10/17/2020</a:t>
+              <a:t>10/18/2020</a:t>
             </a:fld>
             <a:endParaRPr lang="en-US"/>
           </a:p>
@@ -6322,7 +6322,7 @@
           <a:p>
             <a:fld id="{F091E417-E1D4-4C2B-B87F-16C3588C2ACF}" type="datetimeFigureOut">
               <a:rPr lang="en-US" smtClean="0"/>
-              <a:t>10/17/2020</a:t>
+              <a:t>10/18/2020</a:t>
             </a:fld>
             <a:endParaRPr lang="en-US"/>
           </a:p>
@@ -6610,7 +6610,7 @@
           <a:p>
             <a:fld id="{F091E417-E1D4-4C2B-B87F-16C3588C2ACF}" type="datetimeFigureOut">
               <a:rPr lang="en-US" smtClean="0"/>
-              <a:t>10/17/2020</a:t>
+              <a:t>10/18/2020</a:t>
             </a:fld>
             <a:endParaRPr lang="en-US"/>
           </a:p>
@@ -6851,7 +6851,7 @@
           <a:p>
             <a:fld id="{F091E417-E1D4-4C2B-B87F-16C3588C2ACF}" type="datetimeFigureOut">
               <a:rPr lang="en-US" smtClean="0"/>
-              <a:t>10/17/2020</a:t>
+              <a:t>10/18/2020</a:t>
             </a:fld>
             <a:endParaRPr lang="en-US"/>
           </a:p>
@@ -7311,6 +7311,10 @@
             <a:r>
               <a:rPr lang="nl-NL" sz="3600" dirty="0" err="1"/>
               <a:t>Angular</a:t>
+            </a:r>
+            <a:r>
+              <a:rPr lang="nl-NL" sz="3600"/>
+              <a:t> Part 1</a:t>
             </a:r>
             <a:br>
               <a:rPr lang="nl-NL" sz="3600" dirty="0"/>
